--- a/Milestone/Nhom01_Milestone_Slides.pptx
+++ b/Milestone/Nhom01_Milestone_Slides.pptx
@@ -36,7 +36,7 @@
       <p:boldItalic r:id="rId21"/>
     </p:embeddedFont>
     <p:embeddedFont>
-      <p:font typeface="Montserrat Bold" panose="00000800000000000000" charset="0"/>
+      <p:font typeface="Montserrat Bold" panose="020B0604020202020204" charset="0"/>
       <p:regular r:id="rId22"/>
     </p:embeddedFont>
     <p:embeddedFont>
@@ -345,7 +345,7 @@
             <a:fld id="{1D8BD707-D9CF-40AE-B4C6-C98DA3205C09}" type="datetimeFigureOut">
               <a:rPr lang="en-US" smtClean="0"/>
               <a:pPr/>
-              <a:t>11/24/2023</a:t>
+              <a:t>12/15/2023</a:t>
             </a:fld>
             <a:endParaRPr lang="en-US"/>
           </a:p>
@@ -510,7 +510,7 @@
             <a:fld id="{1D8BD707-D9CF-40AE-B4C6-C98DA3205C09}" type="datetimeFigureOut">
               <a:rPr lang="en-US" smtClean="0"/>
               <a:pPr/>
-              <a:t>11/24/2023</a:t>
+              <a:t>12/15/2023</a:t>
             </a:fld>
             <a:endParaRPr lang="en-US"/>
           </a:p>
@@ -685,7 +685,7 @@
             <a:fld id="{1D8BD707-D9CF-40AE-B4C6-C98DA3205C09}" type="datetimeFigureOut">
               <a:rPr lang="en-US" smtClean="0"/>
               <a:pPr/>
-              <a:t>11/24/2023</a:t>
+              <a:t>12/15/2023</a:t>
             </a:fld>
             <a:endParaRPr lang="en-US"/>
           </a:p>
@@ -850,7 +850,7 @@
             <a:fld id="{1D8BD707-D9CF-40AE-B4C6-C98DA3205C09}" type="datetimeFigureOut">
               <a:rPr lang="en-US" smtClean="0"/>
               <a:pPr/>
-              <a:t>11/24/2023</a:t>
+              <a:t>12/15/2023</a:t>
             </a:fld>
             <a:endParaRPr lang="en-US"/>
           </a:p>
@@ -1092,7 +1092,7 @@
             <a:fld id="{1D8BD707-D9CF-40AE-B4C6-C98DA3205C09}" type="datetimeFigureOut">
               <a:rPr lang="en-US" smtClean="0"/>
               <a:pPr/>
-              <a:t>11/24/2023</a:t>
+              <a:t>12/15/2023</a:t>
             </a:fld>
             <a:endParaRPr lang="en-US"/>
           </a:p>
@@ -1374,7 +1374,7 @@
             <a:fld id="{1D8BD707-D9CF-40AE-B4C6-C98DA3205C09}" type="datetimeFigureOut">
               <a:rPr lang="en-US" smtClean="0"/>
               <a:pPr/>
-              <a:t>11/24/2023</a:t>
+              <a:t>12/15/2023</a:t>
             </a:fld>
             <a:endParaRPr lang="en-US"/>
           </a:p>
@@ -1790,7 +1790,7 @@
             <a:fld id="{1D8BD707-D9CF-40AE-B4C6-C98DA3205C09}" type="datetimeFigureOut">
               <a:rPr lang="en-US" smtClean="0"/>
               <a:pPr/>
-              <a:t>11/24/2023</a:t>
+              <a:t>12/15/2023</a:t>
             </a:fld>
             <a:endParaRPr lang="en-US"/>
           </a:p>
@@ -1904,7 +1904,7 @@
             <a:fld id="{1D8BD707-D9CF-40AE-B4C6-C98DA3205C09}" type="datetimeFigureOut">
               <a:rPr lang="en-US" smtClean="0"/>
               <a:pPr/>
-              <a:t>11/24/2023</a:t>
+              <a:t>12/15/2023</a:t>
             </a:fld>
             <a:endParaRPr lang="en-US"/>
           </a:p>
@@ -1996,7 +1996,7 @@
             <a:fld id="{1D8BD707-D9CF-40AE-B4C6-C98DA3205C09}" type="datetimeFigureOut">
               <a:rPr lang="en-US" smtClean="0"/>
               <a:pPr/>
-              <a:t>11/24/2023</a:t>
+              <a:t>12/15/2023</a:t>
             </a:fld>
             <a:endParaRPr lang="en-US"/>
           </a:p>
@@ -2268,7 +2268,7 @@
             <a:fld id="{1D8BD707-D9CF-40AE-B4C6-C98DA3205C09}" type="datetimeFigureOut">
               <a:rPr lang="en-US" smtClean="0"/>
               <a:pPr/>
-              <a:t>11/24/2023</a:t>
+              <a:t>12/15/2023</a:t>
             </a:fld>
             <a:endParaRPr lang="en-US"/>
           </a:p>
@@ -2517,7 +2517,7 @@
             <a:fld id="{1D8BD707-D9CF-40AE-B4C6-C98DA3205C09}" type="datetimeFigureOut">
               <a:rPr lang="en-US" smtClean="0"/>
               <a:pPr/>
-              <a:t>11/24/2023</a:t>
+              <a:t>12/15/2023</a:t>
             </a:fld>
             <a:endParaRPr lang="en-US"/>
           </a:p>
@@ -2725,7 +2725,7 @@
             <a:fld id="{1D8BD707-D9CF-40AE-B4C6-C98DA3205C09}" type="datetimeFigureOut">
               <a:rPr lang="en-US" smtClean="0"/>
               <a:pPr/>
-              <a:t>11/24/2023</a:t>
+              <a:t>12/15/2023</a:t>
             </a:fld>
             <a:endParaRPr lang="en-US"/>
           </a:p>
@@ -5600,7 +5600,7 @@
               <a:t> </a:t>
             </a:r>
             <a:r>
-              <a:rPr lang="en-US" sz="2849" err="1">
+              <a:rPr lang="en-US" sz="2849" dirty="0" err="1">
                 <a:solidFill>
                   <a:srgbClr val="273755"/>
                 </a:solidFill>
@@ -5609,13 +5609,31 @@
               <a:t>đặt</a:t>
             </a:r>
             <a:r>
-              <a:rPr lang="en-US" sz="2849">
-                <a:solidFill>
-                  <a:srgbClr val="273755"/>
-                </a:solidFill>
-                <a:latin typeface="Noto Serif"/>
-              </a:rPr>
-              <a:t> ra </a:t>
+              <a:rPr lang="en-US" sz="2849" dirty="0">
+                <a:solidFill>
+                  <a:srgbClr val="273755"/>
+                </a:solidFill>
+                <a:latin typeface="Noto Serif"/>
+              </a:rPr>
+              <a:t> </a:t>
+            </a:r>
+            <a:r>
+              <a:rPr lang="en-US" sz="2849" dirty="0" err="1">
+                <a:solidFill>
+                  <a:srgbClr val="273755"/>
+                </a:solidFill>
+                <a:latin typeface="Noto Serif"/>
+              </a:rPr>
+              <a:t>ra</a:t>
+            </a:r>
+            <a:r>
+              <a:rPr lang="en-US" sz="2849" dirty="0">
+                <a:solidFill>
+                  <a:srgbClr val="273755"/>
+                </a:solidFill>
+                <a:latin typeface="Noto Serif"/>
+              </a:rPr>
+              <a:t> </a:t>
             </a:r>
           </a:p>
           <a:p>
@@ -5625,13 +5643,301 @@
               </a:lnSpc>
             </a:pPr>
             <a:r>
-              <a:rPr lang="en-US" sz="2849">
-                <a:solidFill>
-                  <a:srgbClr val="273755"/>
-                </a:solidFill>
-                <a:latin typeface="Noto Serif"/>
-              </a:rPr>
-              <a:t>    - Những yếu tố nào có mối tương quan chặt chẽ với nhau ảnh hưởng đến sự delay.</a:t>
+              <a:rPr lang="en-US" sz="2849" dirty="0">
+                <a:solidFill>
+                  <a:srgbClr val="273755"/>
+                </a:solidFill>
+                <a:latin typeface="Noto Serif"/>
+              </a:rPr>
+              <a:t>    - </a:t>
+            </a:r>
+            <a:r>
+              <a:rPr lang="en-US" sz="2849" dirty="0" err="1">
+                <a:solidFill>
+                  <a:srgbClr val="273755"/>
+                </a:solidFill>
+                <a:latin typeface="Noto Serif"/>
+              </a:rPr>
+              <a:t>Những</a:t>
+            </a:r>
+            <a:r>
+              <a:rPr lang="en-US" sz="2849" dirty="0">
+                <a:solidFill>
+                  <a:srgbClr val="273755"/>
+                </a:solidFill>
+                <a:latin typeface="Noto Serif"/>
+              </a:rPr>
+              <a:t> </a:t>
+            </a:r>
+            <a:r>
+              <a:rPr lang="en-US" sz="2849" dirty="0" err="1">
+                <a:solidFill>
+                  <a:srgbClr val="273755"/>
+                </a:solidFill>
+                <a:latin typeface="Noto Serif"/>
+              </a:rPr>
+              <a:t>yếu</a:t>
+            </a:r>
+            <a:r>
+              <a:rPr lang="en-US" sz="2849" dirty="0">
+                <a:solidFill>
+                  <a:srgbClr val="273755"/>
+                </a:solidFill>
+                <a:latin typeface="Noto Serif"/>
+              </a:rPr>
+              <a:t> </a:t>
+            </a:r>
+            <a:r>
+              <a:rPr lang="en-US" sz="2849" dirty="0" err="1">
+                <a:solidFill>
+                  <a:srgbClr val="273755"/>
+                </a:solidFill>
+                <a:latin typeface="Noto Serif"/>
+              </a:rPr>
+              <a:t>tố</a:t>
+            </a:r>
+            <a:r>
+              <a:rPr lang="en-US" sz="2849" dirty="0">
+                <a:solidFill>
+                  <a:srgbClr val="273755"/>
+                </a:solidFill>
+                <a:latin typeface="Noto Serif"/>
+              </a:rPr>
+              <a:t> </a:t>
+            </a:r>
+            <a:r>
+              <a:rPr lang="en-US" sz="2849" dirty="0" err="1">
+                <a:solidFill>
+                  <a:srgbClr val="273755"/>
+                </a:solidFill>
+                <a:latin typeface="Noto Serif"/>
+              </a:rPr>
+              <a:t>nào</a:t>
+            </a:r>
+            <a:r>
+              <a:rPr lang="en-US" sz="2849" dirty="0">
+                <a:solidFill>
+                  <a:srgbClr val="273755"/>
+                </a:solidFill>
+                <a:latin typeface="Noto Serif"/>
+              </a:rPr>
+              <a:t> </a:t>
+            </a:r>
+            <a:r>
+              <a:rPr lang="en-US" sz="2849" dirty="0" err="1">
+                <a:solidFill>
+                  <a:srgbClr val="273755"/>
+                </a:solidFill>
+                <a:latin typeface="Noto Serif"/>
+              </a:rPr>
+              <a:t>có</a:t>
+            </a:r>
+            <a:r>
+              <a:rPr lang="en-US" sz="2849" dirty="0">
+                <a:solidFill>
+                  <a:srgbClr val="273755"/>
+                </a:solidFill>
+                <a:latin typeface="Noto Serif"/>
+              </a:rPr>
+              <a:t> </a:t>
+            </a:r>
+            <a:r>
+              <a:rPr lang="en-US" sz="2849" dirty="0" err="1">
+                <a:solidFill>
+                  <a:srgbClr val="273755"/>
+                </a:solidFill>
+                <a:latin typeface="Noto Serif"/>
+              </a:rPr>
+              <a:t>mối</a:t>
+            </a:r>
+            <a:r>
+              <a:rPr lang="en-US" sz="2849" dirty="0">
+                <a:solidFill>
+                  <a:srgbClr val="273755"/>
+                </a:solidFill>
+                <a:latin typeface="Noto Serif"/>
+              </a:rPr>
+              <a:t> </a:t>
+            </a:r>
+            <a:r>
+              <a:rPr lang="en-US" sz="2849" dirty="0" err="1">
+                <a:solidFill>
+                  <a:srgbClr val="273755"/>
+                </a:solidFill>
+                <a:latin typeface="Noto Serif"/>
+              </a:rPr>
+              <a:t>tương</a:t>
+            </a:r>
+            <a:r>
+              <a:rPr lang="en-US" sz="2849" dirty="0">
+                <a:solidFill>
+                  <a:srgbClr val="273755"/>
+                </a:solidFill>
+                <a:latin typeface="Noto Serif"/>
+              </a:rPr>
+              <a:t> </a:t>
+            </a:r>
+            <a:r>
+              <a:rPr lang="en-US" sz="2849" dirty="0" err="1">
+                <a:solidFill>
+                  <a:srgbClr val="273755"/>
+                </a:solidFill>
+                <a:latin typeface="Noto Serif"/>
+              </a:rPr>
+              <a:t>quan</a:t>
+            </a:r>
+            <a:r>
+              <a:rPr lang="en-US" sz="2849" dirty="0">
+                <a:solidFill>
+                  <a:srgbClr val="273755"/>
+                </a:solidFill>
+                <a:latin typeface="Noto Serif"/>
+              </a:rPr>
+              <a:t> </a:t>
+            </a:r>
+            <a:r>
+              <a:rPr lang="en-US" sz="2849" dirty="0" err="1">
+                <a:solidFill>
+                  <a:srgbClr val="273755"/>
+                </a:solidFill>
+                <a:latin typeface="Noto Serif"/>
+              </a:rPr>
+              <a:t>chặt</a:t>
+            </a:r>
+            <a:r>
+              <a:rPr lang="en-US" sz="2849" dirty="0">
+                <a:solidFill>
+                  <a:srgbClr val="273755"/>
+                </a:solidFill>
+                <a:latin typeface="Noto Serif"/>
+              </a:rPr>
+              <a:t> </a:t>
+            </a:r>
+            <a:r>
+              <a:rPr lang="en-US" sz="2849" dirty="0" err="1">
+                <a:solidFill>
+                  <a:srgbClr val="273755"/>
+                </a:solidFill>
+                <a:latin typeface="Noto Serif"/>
+              </a:rPr>
+              <a:t>chẽ</a:t>
+            </a:r>
+            <a:r>
+              <a:rPr lang="en-US" sz="2849" dirty="0">
+                <a:solidFill>
+                  <a:srgbClr val="273755"/>
+                </a:solidFill>
+                <a:latin typeface="Noto Serif"/>
+              </a:rPr>
+              <a:t> </a:t>
+            </a:r>
+            <a:r>
+              <a:rPr lang="en-US" sz="2849" dirty="0" err="1">
+                <a:solidFill>
+                  <a:srgbClr val="273755"/>
+                </a:solidFill>
+                <a:latin typeface="Noto Serif"/>
+              </a:rPr>
+              <a:t>với</a:t>
+            </a:r>
+            <a:r>
+              <a:rPr lang="en-US" sz="2849" dirty="0">
+                <a:solidFill>
+                  <a:srgbClr val="273755"/>
+                </a:solidFill>
+                <a:latin typeface="Noto Serif"/>
+              </a:rPr>
+              <a:t> </a:t>
+            </a:r>
+            <a:r>
+              <a:rPr lang="en-US" sz="2849" dirty="0" err="1">
+                <a:solidFill>
+                  <a:srgbClr val="273755"/>
+                </a:solidFill>
+                <a:latin typeface="Noto Serif"/>
+              </a:rPr>
+              <a:t>nhau</a:t>
+            </a:r>
+            <a:r>
+              <a:rPr lang="en-US" sz="2849" dirty="0">
+                <a:solidFill>
+                  <a:srgbClr val="273755"/>
+                </a:solidFill>
+                <a:latin typeface="Noto Serif"/>
+              </a:rPr>
+              <a:t> </a:t>
+            </a:r>
+            <a:r>
+              <a:rPr lang="en-US" sz="2849" dirty="0" err="1">
+                <a:solidFill>
+                  <a:srgbClr val="273755"/>
+                </a:solidFill>
+                <a:latin typeface="Noto Serif"/>
+              </a:rPr>
+              <a:t>ảnh</a:t>
+            </a:r>
+            <a:r>
+              <a:rPr lang="en-US" sz="2849" dirty="0">
+                <a:solidFill>
+                  <a:srgbClr val="273755"/>
+                </a:solidFill>
+                <a:latin typeface="Noto Serif"/>
+              </a:rPr>
+              <a:t> </a:t>
+            </a:r>
+            <a:r>
+              <a:rPr lang="en-US" sz="2849" dirty="0" err="1">
+                <a:solidFill>
+                  <a:srgbClr val="273755"/>
+                </a:solidFill>
+                <a:latin typeface="Noto Serif"/>
+              </a:rPr>
+              <a:t>hưởng</a:t>
+            </a:r>
+            <a:r>
+              <a:rPr lang="en-US" sz="2849" dirty="0">
+                <a:solidFill>
+                  <a:srgbClr val="273755"/>
+                </a:solidFill>
+                <a:latin typeface="Noto Serif"/>
+              </a:rPr>
+              <a:t> </a:t>
+            </a:r>
+            <a:r>
+              <a:rPr lang="en-US" sz="2849" dirty="0" err="1">
+                <a:solidFill>
+                  <a:srgbClr val="273755"/>
+                </a:solidFill>
+                <a:latin typeface="Noto Serif"/>
+              </a:rPr>
+              <a:t>đến</a:t>
+            </a:r>
+            <a:r>
+              <a:rPr lang="en-US" sz="2849" dirty="0">
+                <a:solidFill>
+                  <a:srgbClr val="273755"/>
+                </a:solidFill>
+                <a:latin typeface="Noto Serif"/>
+              </a:rPr>
+              <a:t> </a:t>
+            </a:r>
+            <a:r>
+              <a:rPr lang="en-US" sz="2849" dirty="0" err="1">
+                <a:solidFill>
+                  <a:srgbClr val="273755"/>
+                </a:solidFill>
+                <a:latin typeface="Noto Serif"/>
+              </a:rPr>
+              <a:t>sự</a:t>
+            </a:r>
+            <a:r>
+              <a:rPr lang="en-US" sz="2849" dirty="0">
+                <a:solidFill>
+                  <a:srgbClr val="273755"/>
+                </a:solidFill>
+                <a:latin typeface="Noto Serif"/>
+              </a:rPr>
+              <a:t> delay.</a:t>
             </a:r>
           </a:p>
           <a:p>
@@ -5641,20 +5947,176 @@
               </a:lnSpc>
             </a:pPr>
             <a:r>
-              <a:rPr lang="en-US" sz="2849">
-                <a:solidFill>
-                  <a:srgbClr val="273755"/>
-                </a:solidFill>
-                <a:latin typeface="Noto Serif"/>
-              </a:rPr>
-              <a:t>    - Những yếu tố nào tác động mạnh đến sự delay.</a:t>
-            </a:r>
-            <a:endParaRPr lang="en-US" sz="2849" dirty="0">
-              <a:solidFill>
-                <a:srgbClr val="273755"/>
-              </a:solidFill>
-              <a:latin typeface="Noto Serif"/>
-            </a:endParaRPr>
+              <a:rPr lang="en-US" sz="2849" dirty="0">
+                <a:solidFill>
+                  <a:srgbClr val="273755"/>
+                </a:solidFill>
+                <a:latin typeface="Noto Serif"/>
+              </a:rPr>
+              <a:t>    - </a:t>
+            </a:r>
+            <a:r>
+              <a:rPr lang="en-US" sz="2849" dirty="0" err="1">
+                <a:solidFill>
+                  <a:srgbClr val="273755"/>
+                </a:solidFill>
+                <a:latin typeface="Noto Serif"/>
+              </a:rPr>
+              <a:t>Những</a:t>
+            </a:r>
+            <a:r>
+              <a:rPr lang="en-US" sz="2849" dirty="0">
+                <a:solidFill>
+                  <a:srgbClr val="273755"/>
+                </a:solidFill>
+                <a:latin typeface="Noto Serif"/>
+              </a:rPr>
+              <a:t> </a:t>
+            </a:r>
+            <a:r>
+              <a:rPr lang="en-US" sz="2849" dirty="0" err="1">
+                <a:solidFill>
+                  <a:srgbClr val="273755"/>
+                </a:solidFill>
+                <a:latin typeface="Noto Serif"/>
+              </a:rPr>
+              <a:t>yếu</a:t>
+            </a:r>
+            <a:r>
+              <a:rPr lang="en-US" sz="2849" dirty="0">
+                <a:solidFill>
+                  <a:srgbClr val="273755"/>
+                </a:solidFill>
+                <a:latin typeface="Noto Serif"/>
+              </a:rPr>
+              <a:t> </a:t>
+            </a:r>
+            <a:r>
+              <a:rPr lang="en-US" sz="2849" dirty="0" err="1">
+                <a:solidFill>
+                  <a:srgbClr val="273755"/>
+                </a:solidFill>
+                <a:latin typeface="Noto Serif"/>
+              </a:rPr>
+              <a:t>tố</a:t>
+            </a:r>
+            <a:r>
+              <a:rPr lang="en-US" sz="2849" dirty="0">
+                <a:solidFill>
+                  <a:srgbClr val="273755"/>
+                </a:solidFill>
+                <a:latin typeface="Noto Serif"/>
+              </a:rPr>
+              <a:t> </a:t>
+            </a:r>
+            <a:r>
+              <a:rPr lang="en-US" sz="2849" dirty="0" err="1">
+                <a:solidFill>
+                  <a:srgbClr val="273755"/>
+                </a:solidFill>
+                <a:latin typeface="Noto Serif"/>
+              </a:rPr>
+              <a:t>nào</a:t>
+            </a:r>
+            <a:r>
+              <a:rPr lang="en-US" sz="2849" dirty="0">
+                <a:solidFill>
+                  <a:srgbClr val="273755"/>
+                </a:solidFill>
+                <a:latin typeface="Noto Serif"/>
+              </a:rPr>
+              <a:t> </a:t>
+            </a:r>
+            <a:r>
+              <a:rPr lang="en-US" sz="2849" dirty="0" err="1">
+                <a:solidFill>
+                  <a:srgbClr val="273755"/>
+                </a:solidFill>
+                <a:latin typeface="Noto Serif"/>
+              </a:rPr>
+              <a:t>tác</a:t>
+            </a:r>
+            <a:r>
+              <a:rPr lang="en-US" sz="2849" dirty="0">
+                <a:solidFill>
+                  <a:srgbClr val="273755"/>
+                </a:solidFill>
+                <a:latin typeface="Noto Serif"/>
+              </a:rPr>
+              <a:t> </a:t>
+            </a:r>
+            <a:r>
+              <a:rPr lang="en-US" sz="2849" dirty="0" err="1">
+                <a:solidFill>
+                  <a:srgbClr val="273755"/>
+                </a:solidFill>
+                <a:latin typeface="Noto Serif"/>
+              </a:rPr>
+              <a:t>động</a:t>
+            </a:r>
+            <a:r>
+              <a:rPr lang="en-US" sz="2849" dirty="0">
+                <a:solidFill>
+                  <a:srgbClr val="273755"/>
+                </a:solidFill>
+                <a:latin typeface="Noto Serif"/>
+              </a:rPr>
+              <a:t> </a:t>
+            </a:r>
+            <a:r>
+              <a:rPr lang="en-US" sz="2849" dirty="0" err="1">
+                <a:solidFill>
+                  <a:srgbClr val="273755"/>
+                </a:solidFill>
+                <a:latin typeface="Noto Serif"/>
+              </a:rPr>
+              <a:t>mạnh</a:t>
+            </a:r>
+            <a:r>
+              <a:rPr lang="en-US" sz="2849" dirty="0">
+                <a:solidFill>
+                  <a:srgbClr val="273755"/>
+                </a:solidFill>
+                <a:latin typeface="Noto Serif"/>
+              </a:rPr>
+              <a:t> </a:t>
+            </a:r>
+            <a:r>
+              <a:rPr lang="en-US" sz="2849" dirty="0" err="1">
+                <a:solidFill>
+                  <a:srgbClr val="273755"/>
+                </a:solidFill>
+                <a:latin typeface="Noto Serif"/>
+              </a:rPr>
+              <a:t>đến</a:t>
+            </a:r>
+            <a:r>
+              <a:rPr lang="en-US" sz="2849" dirty="0">
+                <a:solidFill>
+                  <a:srgbClr val="273755"/>
+                </a:solidFill>
+                <a:latin typeface="Noto Serif"/>
+              </a:rPr>
+              <a:t> </a:t>
+            </a:r>
+            <a:r>
+              <a:rPr lang="en-US" sz="2849" dirty="0" err="1">
+                <a:solidFill>
+                  <a:srgbClr val="273755"/>
+                </a:solidFill>
+                <a:latin typeface="Noto Serif"/>
+              </a:rPr>
+              <a:t>sự</a:t>
+            </a:r>
+            <a:r>
+              <a:rPr lang="en-US" sz="2849" dirty="0">
+                <a:solidFill>
+                  <a:srgbClr val="273755"/>
+                </a:solidFill>
+                <a:latin typeface="Noto Serif"/>
+              </a:rPr>
+              <a:t> delay.</a:t>
+            </a:r>
           </a:p>
         </p:txBody>
       </p:sp>
@@ -6521,7 +6983,7 @@
               </a:lnSpc>
             </a:pPr>
             <a:r>
-              <a:rPr lang="en-US" sz="2849">
+              <a:rPr lang="en-US" sz="2849" dirty="0">
                 <a:solidFill>
                   <a:srgbClr val="273755"/>
                 </a:solidFill>
@@ -6537,7 +6999,7 @@
               </a:lnSpc>
             </a:pPr>
             <a:r>
-              <a:rPr lang="en-US" sz="2849">
+              <a:rPr lang="en-US" sz="2849" dirty="0">
                 <a:solidFill>
                   <a:srgbClr val="273755"/>
                 </a:solidFill>
@@ -6553,157 +7015,22 @@
               </a:lnSpc>
             </a:pPr>
             <a:r>
-              <a:rPr lang="en-US" sz="2849">
-                <a:solidFill>
-                  <a:srgbClr val="273755"/>
-                </a:solidFill>
-                <a:latin typeface="Noto Serif"/>
-              </a:rPr>
-              <a:t>    - FlightNumber</a:t>
-            </a:r>
-          </a:p>
-          <a:p>
-            <a:pPr marL="307656" lvl="1">
-              <a:lnSpc>
-                <a:spcPts val="3989"/>
-              </a:lnSpc>
-            </a:pPr>
-            <a:r>
-              <a:rPr lang="en-US" sz="2849">
-                <a:solidFill>
-                  <a:srgbClr val="273755"/>
-                </a:solidFill>
-                <a:latin typeface="Noto Serif"/>
-              </a:rPr>
-              <a:t>    - DepTime: 1202 (12h02p)</a:t>
-            </a:r>
-          </a:p>
-          <a:p>
-            <a:pPr marL="307656" lvl="1">
-              <a:lnSpc>
-                <a:spcPts val="3989"/>
-              </a:lnSpc>
-            </a:pPr>
-            <a:r>
-              <a:rPr lang="en-US" sz="2849">
-                <a:solidFill>
-                  <a:srgbClr val="273755"/>
-                </a:solidFill>
-                <a:latin typeface="Noto Serif"/>
-              </a:rPr>
-              <a:t>    - ArrTime: 1402 (12h02p)</a:t>
-            </a:r>
-          </a:p>
-          <a:p>
-            <a:pPr marL="307656" lvl="1">
-              <a:lnSpc>
-                <a:spcPts val="3989"/>
-              </a:lnSpc>
-            </a:pPr>
-            <a:r>
-              <a:rPr lang="en-US" sz="2849">
-                <a:solidFill>
-                  <a:srgbClr val="273755"/>
-                </a:solidFill>
-                <a:latin typeface="Noto Serif"/>
-              </a:rPr>
-              <a:t>    - Distance: 145 (km)</a:t>
-            </a:r>
-          </a:p>
-          <a:p>
-            <a:pPr marL="307656" lvl="1">
-              <a:lnSpc>
-                <a:spcPts val="3989"/>
-              </a:lnSpc>
-            </a:pPr>
-            <a:r>
-              <a:rPr lang="en-US" sz="2849">
-                <a:solidFill>
-                  <a:srgbClr val="273755"/>
-                </a:solidFill>
-                <a:latin typeface="Noto Serif"/>
-              </a:rPr>
-              <a:t>    - OriginAirport</a:t>
-            </a:r>
-          </a:p>
-          <a:p>
-            <a:pPr marL="307656" lvl="1">
-              <a:lnSpc>
-                <a:spcPts val="3989"/>
-              </a:lnSpc>
-            </a:pPr>
-            <a:r>
-              <a:rPr lang="en-US" sz="2849">
-                <a:solidFill>
-                  <a:srgbClr val="273755"/>
-                </a:solidFill>
-                <a:latin typeface="Noto Serif"/>
-              </a:rPr>
-              <a:t>    - DestAiport</a:t>
-            </a:r>
-          </a:p>
-          <a:p>
-            <a:pPr marL="307656" lvl="1">
-              <a:lnSpc>
-                <a:spcPts val="3989"/>
-              </a:lnSpc>
-            </a:pPr>
-            <a:r>
-              <a:rPr lang="en-US" sz="2849">
-                <a:solidFill>
-                  <a:srgbClr val="273755"/>
-                </a:solidFill>
-                <a:latin typeface="Noto Serif"/>
-              </a:rPr>
-              <a:t>    - DayOfWeek</a:t>
-            </a:r>
-          </a:p>
-          <a:p>
-            <a:pPr marL="307656" lvl="1">
-              <a:lnSpc>
-                <a:spcPts val="3989"/>
-              </a:lnSpc>
-            </a:pPr>
-            <a:r>
-              <a:rPr lang="en-US" sz="2849">
-                <a:solidFill>
-                  <a:srgbClr val="273755"/>
-                </a:solidFill>
-                <a:latin typeface="Noto Serif"/>
-              </a:rPr>
-              <a:t>    - Month</a:t>
-            </a:r>
-          </a:p>
-          <a:p>
-            <a:pPr marL="307656" lvl="1">
-              <a:lnSpc>
-                <a:spcPts val="3989"/>
-              </a:lnSpc>
-            </a:pPr>
-            <a:r>
-              <a:rPr lang="en-US" sz="2849">
-                <a:solidFill>
-                  <a:srgbClr val="273755"/>
-                </a:solidFill>
-                <a:latin typeface="Noto Serif"/>
-              </a:rPr>
-              <a:t>    … </a:t>
-            </a:r>
-          </a:p>
-          <a:p>
-            <a:pPr>
-              <a:lnSpc>
-                <a:spcPts val="3989"/>
-              </a:lnSpc>
-            </a:pPr>
-            <a:r>
-              <a:rPr lang="en-US" sz="2849">
-                <a:solidFill>
-                  <a:srgbClr val="273755"/>
-                </a:solidFill>
-                <a:latin typeface="Noto Serif"/>
-              </a:rPr>
-              <a:t>OUTPUT: Delayed (Với những chuyến bay có thời gian hạ cánh ArrDelay  &gt;= 15 phút)</a:t>
+              <a:rPr lang="en-US" sz="2849" dirty="0">
+                <a:solidFill>
+                  <a:srgbClr val="273755"/>
+                </a:solidFill>
+                <a:latin typeface="Noto Serif"/>
+              </a:rPr>
+              <a:t>    - </a:t>
+            </a:r>
+            <a:r>
+              <a:rPr lang="en-US" sz="2849" dirty="0" err="1">
+                <a:solidFill>
+                  <a:srgbClr val="273755"/>
+                </a:solidFill>
+                <a:latin typeface="Noto Serif"/>
+              </a:rPr>
+              <a:t>FlightNumber</a:t>
             </a:r>
             <a:endParaRPr lang="en-US" sz="2849" dirty="0">
               <a:solidFill>
@@ -6711,6 +7038,411 @@
               </a:solidFill>
               <a:latin typeface="Noto Serif"/>
             </a:endParaRPr>
+          </a:p>
+          <a:p>
+            <a:pPr marL="307656" lvl="1">
+              <a:lnSpc>
+                <a:spcPts val="3989"/>
+              </a:lnSpc>
+            </a:pPr>
+            <a:r>
+              <a:rPr lang="en-US" sz="2849" dirty="0">
+                <a:solidFill>
+                  <a:srgbClr val="273755"/>
+                </a:solidFill>
+                <a:latin typeface="Noto Serif"/>
+              </a:rPr>
+              <a:t>    - </a:t>
+            </a:r>
+            <a:r>
+              <a:rPr lang="en-US" sz="2849" dirty="0" err="1">
+                <a:solidFill>
+                  <a:srgbClr val="273755"/>
+                </a:solidFill>
+                <a:latin typeface="Noto Serif"/>
+              </a:rPr>
+              <a:t>DepTime</a:t>
+            </a:r>
+            <a:r>
+              <a:rPr lang="en-US" sz="2849" dirty="0">
+                <a:solidFill>
+                  <a:srgbClr val="273755"/>
+                </a:solidFill>
+                <a:latin typeface="Noto Serif"/>
+              </a:rPr>
+              <a:t>: 1202 (12h02p)</a:t>
+            </a:r>
+          </a:p>
+          <a:p>
+            <a:pPr marL="307656" lvl="1">
+              <a:lnSpc>
+                <a:spcPts val="3989"/>
+              </a:lnSpc>
+            </a:pPr>
+            <a:r>
+              <a:rPr lang="en-US" sz="2849" dirty="0">
+                <a:solidFill>
+                  <a:srgbClr val="273755"/>
+                </a:solidFill>
+                <a:latin typeface="Noto Serif"/>
+              </a:rPr>
+              <a:t>    - </a:t>
+            </a:r>
+            <a:r>
+              <a:rPr lang="en-US" sz="2849" dirty="0" err="1">
+                <a:solidFill>
+                  <a:srgbClr val="273755"/>
+                </a:solidFill>
+                <a:latin typeface="Noto Serif"/>
+              </a:rPr>
+              <a:t>ArrTime</a:t>
+            </a:r>
+            <a:r>
+              <a:rPr lang="en-US" sz="2849" dirty="0">
+                <a:solidFill>
+                  <a:srgbClr val="273755"/>
+                </a:solidFill>
+                <a:latin typeface="Noto Serif"/>
+              </a:rPr>
+              <a:t>: 1402 (12h02p)</a:t>
+            </a:r>
+          </a:p>
+          <a:p>
+            <a:pPr marL="307656" lvl="1">
+              <a:lnSpc>
+                <a:spcPts val="3989"/>
+              </a:lnSpc>
+            </a:pPr>
+            <a:r>
+              <a:rPr lang="en-US" sz="2849" dirty="0">
+                <a:solidFill>
+                  <a:srgbClr val="273755"/>
+                </a:solidFill>
+                <a:latin typeface="Noto Serif"/>
+              </a:rPr>
+              <a:t>    - Distance: 145 (km)</a:t>
+            </a:r>
+          </a:p>
+          <a:p>
+            <a:pPr marL="307656" lvl="1">
+              <a:lnSpc>
+                <a:spcPts val="3989"/>
+              </a:lnSpc>
+            </a:pPr>
+            <a:r>
+              <a:rPr lang="en-US" sz="2849" dirty="0">
+                <a:solidFill>
+                  <a:srgbClr val="273755"/>
+                </a:solidFill>
+                <a:latin typeface="Noto Serif"/>
+              </a:rPr>
+              <a:t>    - </a:t>
+            </a:r>
+            <a:r>
+              <a:rPr lang="en-US" sz="2849" dirty="0" err="1">
+                <a:solidFill>
+                  <a:srgbClr val="273755"/>
+                </a:solidFill>
+                <a:latin typeface="Noto Serif"/>
+              </a:rPr>
+              <a:t>OriginAirport</a:t>
+            </a:r>
+            <a:endParaRPr lang="en-US" sz="2849" dirty="0">
+              <a:solidFill>
+                <a:srgbClr val="273755"/>
+              </a:solidFill>
+              <a:latin typeface="Noto Serif"/>
+            </a:endParaRPr>
+          </a:p>
+          <a:p>
+            <a:pPr marL="307656" lvl="1">
+              <a:lnSpc>
+                <a:spcPts val="3989"/>
+              </a:lnSpc>
+            </a:pPr>
+            <a:r>
+              <a:rPr lang="en-US" sz="2849" dirty="0">
+                <a:solidFill>
+                  <a:srgbClr val="273755"/>
+                </a:solidFill>
+                <a:latin typeface="Noto Serif"/>
+              </a:rPr>
+              <a:t>    - </a:t>
+            </a:r>
+            <a:r>
+              <a:rPr lang="en-US" sz="2849" dirty="0" err="1">
+                <a:solidFill>
+                  <a:srgbClr val="273755"/>
+                </a:solidFill>
+                <a:latin typeface="Noto Serif"/>
+              </a:rPr>
+              <a:t>DestAiport</a:t>
+            </a:r>
+            <a:endParaRPr lang="en-US" sz="2849" dirty="0">
+              <a:solidFill>
+                <a:srgbClr val="273755"/>
+              </a:solidFill>
+              <a:latin typeface="Noto Serif"/>
+            </a:endParaRPr>
+          </a:p>
+          <a:p>
+            <a:pPr marL="307656" lvl="1">
+              <a:lnSpc>
+                <a:spcPts val="3989"/>
+              </a:lnSpc>
+            </a:pPr>
+            <a:r>
+              <a:rPr lang="en-US" sz="2849" dirty="0">
+                <a:solidFill>
+                  <a:srgbClr val="273755"/>
+                </a:solidFill>
+                <a:latin typeface="Noto Serif"/>
+              </a:rPr>
+              <a:t>    - </a:t>
+            </a:r>
+            <a:r>
+              <a:rPr lang="en-US" sz="2849" dirty="0" err="1">
+                <a:solidFill>
+                  <a:srgbClr val="273755"/>
+                </a:solidFill>
+                <a:latin typeface="Noto Serif"/>
+              </a:rPr>
+              <a:t>DayOfWeek</a:t>
+            </a:r>
+            <a:endParaRPr lang="en-US" sz="2849" dirty="0">
+              <a:solidFill>
+                <a:srgbClr val="273755"/>
+              </a:solidFill>
+              <a:latin typeface="Noto Serif"/>
+            </a:endParaRPr>
+          </a:p>
+          <a:p>
+            <a:pPr marL="307656" lvl="1">
+              <a:lnSpc>
+                <a:spcPts val="3989"/>
+              </a:lnSpc>
+            </a:pPr>
+            <a:r>
+              <a:rPr lang="en-US" sz="2849" dirty="0">
+                <a:solidFill>
+                  <a:srgbClr val="273755"/>
+                </a:solidFill>
+                <a:latin typeface="Noto Serif"/>
+              </a:rPr>
+              <a:t>    - Month</a:t>
+            </a:r>
+          </a:p>
+          <a:p>
+            <a:pPr marL="307656" lvl="1">
+              <a:lnSpc>
+                <a:spcPts val="3989"/>
+              </a:lnSpc>
+            </a:pPr>
+            <a:r>
+              <a:rPr lang="en-US" sz="2849" dirty="0">
+                <a:solidFill>
+                  <a:srgbClr val="273755"/>
+                </a:solidFill>
+                <a:latin typeface="Noto Serif"/>
+              </a:rPr>
+              <a:t>    … </a:t>
+            </a:r>
+          </a:p>
+          <a:p>
+            <a:pPr>
+              <a:lnSpc>
+                <a:spcPts val="3989"/>
+              </a:lnSpc>
+            </a:pPr>
+            <a:r>
+              <a:rPr lang="en-US" sz="2849" dirty="0">
+                <a:solidFill>
+                  <a:srgbClr val="273755"/>
+                </a:solidFill>
+                <a:latin typeface="Noto Serif"/>
+              </a:rPr>
+              <a:t>OUTPUT: Delayed (</a:t>
+            </a:r>
+            <a:r>
+              <a:rPr lang="en-US" sz="2849" dirty="0" err="1">
+                <a:solidFill>
+                  <a:srgbClr val="273755"/>
+                </a:solidFill>
+                <a:latin typeface="Noto Serif"/>
+              </a:rPr>
+              <a:t>Với</a:t>
+            </a:r>
+            <a:r>
+              <a:rPr lang="en-US" sz="2849" dirty="0">
+                <a:solidFill>
+                  <a:srgbClr val="273755"/>
+                </a:solidFill>
+                <a:latin typeface="Noto Serif"/>
+              </a:rPr>
+              <a:t> </a:t>
+            </a:r>
+            <a:r>
+              <a:rPr lang="en-US" sz="2849" dirty="0" err="1">
+                <a:solidFill>
+                  <a:srgbClr val="273755"/>
+                </a:solidFill>
+                <a:latin typeface="Noto Serif"/>
+              </a:rPr>
+              <a:t>những</a:t>
+            </a:r>
+            <a:r>
+              <a:rPr lang="en-US" sz="2849" dirty="0">
+                <a:solidFill>
+                  <a:srgbClr val="273755"/>
+                </a:solidFill>
+                <a:latin typeface="Noto Serif"/>
+              </a:rPr>
+              <a:t> </a:t>
+            </a:r>
+            <a:r>
+              <a:rPr lang="en-US" sz="2849" dirty="0" err="1">
+                <a:solidFill>
+                  <a:srgbClr val="273755"/>
+                </a:solidFill>
+                <a:latin typeface="Noto Serif"/>
+              </a:rPr>
+              <a:t>chuyến</a:t>
+            </a:r>
+            <a:r>
+              <a:rPr lang="en-US" sz="2849" dirty="0">
+                <a:solidFill>
+                  <a:srgbClr val="273755"/>
+                </a:solidFill>
+                <a:latin typeface="Noto Serif"/>
+              </a:rPr>
+              <a:t> bay </a:t>
+            </a:r>
+            <a:r>
+              <a:rPr lang="en-US" sz="2849" dirty="0" err="1">
+                <a:solidFill>
+                  <a:srgbClr val="273755"/>
+                </a:solidFill>
+                <a:latin typeface="Noto Serif"/>
+              </a:rPr>
+              <a:t>có</a:t>
+            </a:r>
+            <a:r>
+              <a:rPr lang="en-US" sz="2849" dirty="0">
+                <a:solidFill>
+                  <a:srgbClr val="273755"/>
+                </a:solidFill>
+                <a:latin typeface="Noto Serif"/>
+              </a:rPr>
+              <a:t> </a:t>
+            </a:r>
+            <a:r>
+              <a:rPr lang="en-US" sz="2849" dirty="0" err="1">
+                <a:solidFill>
+                  <a:srgbClr val="273755"/>
+                </a:solidFill>
+                <a:latin typeface="Noto Serif"/>
+              </a:rPr>
+              <a:t>thời</a:t>
+            </a:r>
+            <a:r>
+              <a:rPr lang="en-US" sz="2849" dirty="0">
+                <a:solidFill>
+                  <a:srgbClr val="273755"/>
+                </a:solidFill>
+                <a:latin typeface="Noto Serif"/>
+              </a:rPr>
+              <a:t> </a:t>
+            </a:r>
+            <a:r>
+              <a:rPr lang="en-US" sz="2849" dirty="0" err="1">
+                <a:solidFill>
+                  <a:srgbClr val="273755"/>
+                </a:solidFill>
+                <a:latin typeface="Noto Serif"/>
+              </a:rPr>
+              <a:t>gian</a:t>
+            </a:r>
+            <a:r>
+              <a:rPr lang="en-US" sz="2849" dirty="0">
+                <a:solidFill>
+                  <a:srgbClr val="273755"/>
+                </a:solidFill>
+                <a:latin typeface="Noto Serif"/>
+              </a:rPr>
+              <a:t> </a:t>
+            </a:r>
+            <a:r>
+              <a:rPr lang="en-US" sz="2849" dirty="0" err="1">
+                <a:solidFill>
+                  <a:srgbClr val="273755"/>
+                </a:solidFill>
+                <a:latin typeface="Noto Serif"/>
+              </a:rPr>
+              <a:t>hạ</a:t>
+            </a:r>
+            <a:r>
+              <a:rPr lang="en-US" sz="2849" dirty="0">
+                <a:solidFill>
+                  <a:srgbClr val="273755"/>
+                </a:solidFill>
+                <a:latin typeface="Noto Serif"/>
+              </a:rPr>
+              <a:t> </a:t>
+            </a:r>
+            <a:r>
+              <a:rPr lang="en-US" sz="2849" dirty="0" err="1">
+                <a:solidFill>
+                  <a:srgbClr val="273755"/>
+                </a:solidFill>
+                <a:latin typeface="Noto Serif"/>
+              </a:rPr>
+              <a:t>cánh</a:t>
+            </a:r>
+            <a:r>
+              <a:rPr lang="en-US" sz="2849" dirty="0">
+                <a:solidFill>
+                  <a:srgbClr val="273755"/>
+                </a:solidFill>
+                <a:latin typeface="Noto Serif"/>
+              </a:rPr>
+              <a:t> </a:t>
+            </a:r>
+            <a:r>
+              <a:rPr lang="en-US" sz="2849" dirty="0" err="1">
+                <a:solidFill>
+                  <a:srgbClr val="273755"/>
+                </a:solidFill>
+                <a:latin typeface="Noto Serif"/>
+              </a:rPr>
+              <a:t>ArrDelay</a:t>
+            </a:r>
+            <a:r>
+              <a:rPr lang="en-US" sz="2849" dirty="0">
+                <a:solidFill>
+                  <a:srgbClr val="273755"/>
+                </a:solidFill>
+                <a:latin typeface="Noto Serif"/>
+              </a:rPr>
+              <a:t>  &gt;= 15 </a:t>
+            </a:r>
+            <a:r>
+              <a:rPr lang="en-US" sz="2849" dirty="0" err="1">
+                <a:solidFill>
+                  <a:srgbClr val="273755"/>
+                </a:solidFill>
+                <a:latin typeface="Noto Serif"/>
+              </a:rPr>
+              <a:t>phút</a:t>
+            </a:r>
+            <a:r>
+              <a:rPr lang="en-US" sz="2849" dirty="0">
+                <a:solidFill>
+                  <a:srgbClr val="273755"/>
+                </a:solidFill>
+                <a:latin typeface="Noto Serif"/>
+              </a:rPr>
+              <a:t>)</a:t>
+            </a:r>
           </a:p>
           <a:p>
             <a:pPr>
